--- a/Courses/Computer-Modeling-and-IT/Computer-Modeling-and-IT-6-Class/03-Information-Carriers-And-File-Formats/03-Information-Carriers-And-File-Formats.pptx
+++ b/Courses/Computer-Modeling-and-IT/Computer-Modeling-and-IT-6-Class/03-Information-Carriers-And-File-Formats/03-Information-Carriers-And-File-Formats.pptx
@@ -281,7 +281,7 @@
           <a:p>
             <a:fld id="{4E087215-0C8F-4762-A664-737A353EC9A4}" type="datetimeFigureOut">
               <a:rPr lang="bg-BG" smtClean="0"/>
-              <a:t>9.3.2024 г.</a:t>
+              <a:t>23.03.24 г.</a:t>
             </a:fld>
             <a:endParaRPr lang="bg-BG"/>
           </a:p>
@@ -477,7 +477,7 @@
           <a:p>
             <a:fld id="{72D84649-876A-46C9-8472-14CB09C070D8}" type="datetimeFigureOut">
               <a:rPr lang="en-US" smtClean="0"/>
-              <a:t>3/9/2024</a:t>
+              <a:t>3/23/24</a:t>
             </a:fld>
             <a:endParaRPr lang="en-US"/>
           </a:p>
@@ -1234,19 +1234,19 @@
           <a:lstStyle/>
           <a:p>
             <a:r>
-              <a:rPr lang="bg-BG" sz="1100" smtClean="0"/>
+              <a:rPr lang="bg-BG" sz="1100"/>
               <a:t>Работна група </a:t>
             </a:r>
             <a:r>
-              <a:rPr lang="bg-BG" smtClean="0"/>
+              <a:rPr lang="bg-BG"/>
               <a:t>"Образование по програмиране и ИТ"</a:t>
             </a:r>
             <a:r>
-              <a:rPr lang="bg-BG" sz="1100" smtClean="0"/>
+              <a:rPr lang="bg-BG" sz="1100"/>
               <a:t>, с подкрепата на </a:t>
             </a:r>
             <a:r>
-              <a:rPr lang="en-US" sz="1100" smtClean="0">
+              <a:rPr lang="en-US" sz="1100">
                 <a:hlinkClick r:id="rId3"/>
               </a:rPr>
               <a:t>SoftUni</a:t>
@@ -1355,19 +1355,19 @@
           <a:lstStyle/>
           <a:p>
             <a:r>
-              <a:rPr lang="bg-BG" sz="1100" smtClean="0"/>
+              <a:rPr lang="bg-BG" sz="1100"/>
               <a:t>Работна група </a:t>
             </a:r>
             <a:r>
-              <a:rPr lang="bg-BG" smtClean="0"/>
+              <a:rPr lang="bg-BG"/>
               <a:t>"Образование по програмиране и ИТ"</a:t>
             </a:r>
             <a:r>
-              <a:rPr lang="bg-BG" sz="1100" smtClean="0"/>
+              <a:rPr lang="bg-BG" sz="1100"/>
               <a:t>, с подкрепата на </a:t>
             </a:r>
             <a:r>
-              <a:rPr lang="en-US" sz="1100" smtClean="0">
+              <a:rPr lang="en-US" sz="1100">
                 <a:hlinkClick r:id="rId3"/>
               </a:rPr>
               <a:t>SoftUni</a:t>
@@ -7041,16 +7041,12 @@
           <a:lstStyle/>
           <a:p>
             <a:r>
-              <a:rPr lang="en-US" dirty="0" smtClean="0"/>
+              <a:rPr lang="en-US" dirty="0"/>
               <a:t>6</a:t>
             </a:r>
             <a:r>
-              <a:rPr lang="bg-BG" dirty="0" smtClean="0"/>
-              <a:t> </a:t>
-            </a:r>
-            <a:r>
               <a:rPr lang="bg-BG" dirty="0"/>
-              <a:t>клас</a:t>
+              <a:t> клас</a:t>
             </a:r>
           </a:p>
         </p:txBody>
@@ -7193,7 +7189,7 @@
           <a:lstStyle/>
           <a:p>
             <a:r>
-              <a:rPr lang="bg-BG" dirty="0" smtClean="0"/>
+              <a:rPr lang="bg-BG" dirty="0"/>
               <a:t>Носители на информация и файлови формати</a:t>
             </a:r>
             <a:endParaRPr lang="en-US" dirty="0"/>
@@ -7289,13 +7285,6 @@
       <p:transition spd="slow" advClick="0" advTm="5000"/>
     </mc:Fallback>
   </mc:AlternateContent>
-  <p:timing>
-    <p:tnLst>
-      <p:par>
-        <p:cTn id="1" dur="indefinite" restart="never" nodeType="tmRoot"/>
-      </p:par>
-    </p:tnLst>
-  </p:timing>
 </p:sld>
 </file>
 
@@ -7356,98 +7345,106 @@
           <a:lstStyle/>
           <a:p>
             <a:r>
-              <a:rPr lang="bg-BG" b="1" dirty="0" smtClean="0"/>
+              <a:rPr lang="bg-BG" b="1" dirty="0"/>
               <a:t>Програмата</a:t>
             </a:r>
             <a:r>
-              <a:rPr lang="bg-BG" dirty="0" smtClean="0"/>
-              <a:t>, с която се създава определен файл </a:t>
-            </a:r>
-            <a:r>
-              <a:rPr lang="bg-BG" b="1" dirty="0" smtClean="0"/>
+              <a:rPr lang="bg-BG" dirty="0"/>
+              <a:t>, с която се създава определен файл</a:t>
+            </a:r>
+            <a:r>
+              <a:rPr lang="en-US" dirty="0"/>
+              <a:t>,</a:t>
+            </a:r>
+            <a:r>
+              <a:rPr lang="bg-BG" dirty="0"/>
+              <a:t> </a:t>
+            </a:r>
+            <a:r>
+              <a:rPr lang="bg-BG" b="1" dirty="0"/>
               <a:t>определя</a:t>
             </a:r>
             <a:r>
-              <a:rPr lang="bg-BG" dirty="0" smtClean="0"/>
+              <a:rPr lang="bg-BG" dirty="0"/>
               <a:t> неговия </a:t>
             </a:r>
             <a:r>
-              <a:rPr lang="bg-BG" b="1" dirty="0" smtClean="0"/>
+              <a:rPr lang="bg-BG" b="1" dirty="0"/>
               <a:t>формат</a:t>
             </a:r>
             <a:r>
-              <a:rPr lang="bg-BG" dirty="0" smtClean="0"/>
+              <a:rPr lang="bg-BG" dirty="0"/>
               <a:t>:</a:t>
             </a:r>
           </a:p>
           <a:p>
             <a:pPr lvl="1"/>
             <a:r>
-              <a:rPr lang="en-US" b="1" dirty="0" smtClean="0"/>
+              <a:rPr lang="en-US" b="1" dirty="0"/>
               <a:t>MS Word </a:t>
             </a:r>
             <a:r>
-              <a:rPr lang="en-US" dirty="0" smtClean="0"/>
+              <a:rPr lang="en-US" dirty="0"/>
               <a:t>– docx, doc, txt, …</a:t>
             </a:r>
           </a:p>
           <a:p>
             <a:pPr lvl="1"/>
             <a:r>
-              <a:rPr lang="en-US" b="1" dirty="0" smtClean="0"/>
+              <a:rPr lang="en-US" b="1" dirty="0"/>
               <a:t>MS PowerPoint </a:t>
             </a:r>
             <a:r>
-              <a:rPr lang="en-US" dirty="0" smtClean="0"/>
+              <a:rPr lang="en-US" dirty="0"/>
               <a:t>– pptx, ppt, ppsx, …</a:t>
             </a:r>
-            <a:endParaRPr lang="bg-BG" dirty="0" smtClean="0"/>
+            <a:endParaRPr lang="bg-BG" dirty="0"/>
           </a:p>
           <a:p>
             <a:pPr lvl="1"/>
             <a:r>
-              <a:rPr lang="en-US" b="1" dirty="0" smtClean="0"/>
+              <a:rPr lang="en-US" b="1" dirty="0"/>
               <a:t>MS Excel </a:t>
             </a:r>
             <a:r>
-              <a:rPr lang="en-US" dirty="0" smtClean="0"/>
+              <a:rPr lang="en-US" dirty="0"/>
               <a:t>– xlsx, xls, …</a:t>
             </a:r>
-            <a:endParaRPr lang="en-US" b="1" dirty="0" smtClean="0"/>
+            <a:endParaRPr lang="en-US" b="1" dirty="0"/>
           </a:p>
           <a:p>
             <a:pPr lvl="1"/>
             <a:r>
-              <a:rPr lang="en-US" b="1" dirty="0" smtClean="0"/>
+              <a:rPr lang="en-US" b="1" dirty="0"/>
               <a:t>Paint</a:t>
             </a:r>
             <a:r>
-              <a:rPr lang="en-US" dirty="0" smtClean="0"/>
+              <a:rPr lang="en-US" dirty="0"/>
               <a:t> – jpeg, png, …</a:t>
             </a:r>
           </a:p>
           <a:p>
             <a:r>
-              <a:rPr lang="bg-BG" dirty="0" smtClean="0"/>
+              <a:rPr lang="bg-BG" dirty="0"/>
               <a:t>С какви файлови формати може да работи </a:t>
             </a:r>
             <a:r>
-              <a:rPr lang="en-US" b="1" dirty="0" smtClean="0"/>
+              <a:rPr lang="en-US" b="1" dirty="0"/>
               <a:t>Photoshop</a:t>
             </a:r>
             <a:r>
-              <a:rPr lang="bg-BG" b="1" dirty="0" smtClean="0"/>
+              <a:rPr lang="bg-BG" b="1" dirty="0"/>
               <a:t> </a:t>
             </a:r>
             <a:r>
-              <a:rPr lang="bg-BG" dirty="0" smtClean="0"/>
+              <a:rPr lang="bg-BG" dirty="0"/>
               <a:t>(програма за обработка на изображения)</a:t>
             </a:r>
             <a:r>
-              <a:rPr lang="en-US" dirty="0" smtClean="0"/>
+              <a:rPr lang="en-US" dirty="0"/>
               <a:t>?</a:t>
             </a:r>
-            <a:endParaRPr lang="bg-BG" dirty="0" smtClean="0"/>
+            <a:endParaRPr lang="bg-BG" dirty="0"/>
           </a:p>
           <a:p>
             <a:endParaRPr lang="en-US" dirty="0"/>
@@ -7470,7 +7467,7 @@
           <a:lstStyle/>
           <a:p>
             <a:r>
-              <a:rPr lang="bg-BG" dirty="0" smtClean="0"/>
+              <a:rPr lang="bg-BG" dirty="0"/>
               <a:t>Файлови формати и програми</a:t>
             </a:r>
             <a:endParaRPr lang="en-US" dirty="0"/>
@@ -8058,68 +8055,68 @@
           <a:lstStyle/>
           <a:p>
             <a:r>
-              <a:rPr lang="bg-BG" dirty="0" smtClean="0"/>
+              <a:rPr lang="bg-BG" dirty="0"/>
               <a:t>За да видите всички видове</a:t>
             </a:r>
             <a:r>
-              <a:rPr lang="en-US" dirty="0" smtClean="0"/>
+              <a:rPr lang="en-US" dirty="0"/>
               <a:t> </a:t>
             </a:r>
             <a:r>
-              <a:rPr lang="bg-BG" dirty="0" smtClean="0"/>
+              <a:rPr lang="bg-BG" dirty="0"/>
               <a:t>файлове, с които дадена програма работи, изберете</a:t>
             </a:r>
             <a:r>
-              <a:rPr lang="en-US" dirty="0" smtClean="0"/>
+              <a:rPr lang="en-US" dirty="0"/>
               <a:t> –</a:t>
             </a:r>
             <a:r>
-              <a:rPr lang="bg-BG" dirty="0" smtClean="0"/>
+              <a:rPr lang="bg-BG" dirty="0"/>
               <a:t> </a:t>
             </a:r>
             <a:r>
-              <a:rPr lang="en-US" b="1" dirty="0" smtClean="0"/>
+              <a:rPr lang="en-US" b="1" dirty="0"/>
               <a:t>File/Save As</a:t>
             </a:r>
           </a:p>
           <a:p>
             <a:r>
-              <a:rPr lang="bg-BG" dirty="0" smtClean="0"/>
+              <a:rPr lang="bg-BG" dirty="0"/>
               <a:t>От </a:t>
             </a:r>
             <a:r>
-              <a:rPr lang="bg-BG" b="1" dirty="0" smtClean="0"/>
+              <a:rPr lang="bg-BG" b="1" dirty="0"/>
               <a:t>падащия списък </a:t>
             </a:r>
             <a:r>
-              <a:rPr lang="bg-BG" dirty="0" smtClean="0"/>
+              <a:rPr lang="bg-BG" dirty="0"/>
               <a:t>може да видите всички разширения, с които програмата може да </a:t>
             </a:r>
             <a:r>
-              <a:rPr lang="bg-BG" b="1" dirty="0" smtClean="0"/>
+              <a:rPr lang="bg-BG" b="1" dirty="0"/>
               <a:t>записва</a:t>
             </a:r>
             <a:r>
-              <a:rPr lang="bg-BG" dirty="0" smtClean="0"/>
+              <a:rPr lang="bg-BG" dirty="0"/>
               <a:t>, </a:t>
             </a:r>
             <a:r>
-              <a:rPr lang="bg-BG" b="1" dirty="0" smtClean="0"/>
+              <a:rPr lang="bg-BG" b="1" dirty="0"/>
               <a:t>чете</a:t>
             </a:r>
             <a:r>
-              <a:rPr lang="bg-BG" dirty="0" smtClean="0"/>
+              <a:rPr lang="bg-BG" dirty="0"/>
               <a:t> и </a:t>
             </a:r>
             <a:r>
-              <a:rPr lang="bg-BG" b="1" dirty="0" smtClean="0"/>
+              <a:rPr lang="bg-BG" b="1" dirty="0"/>
               <a:t>обработва</a:t>
             </a:r>
             <a:r>
-              <a:rPr lang="bg-BG" dirty="0" smtClean="0"/>
+              <a:rPr lang="bg-BG" dirty="0"/>
               <a:t> файлове</a:t>
             </a:r>
-            <a:endParaRPr lang="en-US" dirty="0" smtClean="0"/>
+            <a:endParaRPr lang="en-US" dirty="0"/>
           </a:p>
           <a:p>
             <a:endParaRPr lang="en-US" dirty="0"/>
@@ -8142,7 +8139,7 @@
           <a:lstStyle/>
           <a:p>
             <a:r>
-              <a:rPr lang="bg-BG" dirty="0" smtClean="0"/>
+              <a:rPr lang="bg-BG" dirty="0"/>
               <a:t>Записване на файлове с различни типове</a:t>
             </a:r>
             <a:endParaRPr lang="en-US" dirty="0"/>
@@ -8358,7 +8355,7 @@
           <a:lstStyle/>
           <a:p>
             <a:r>
-              <a:rPr lang="bg-BG" dirty="0" smtClean="0"/>
+              <a:rPr lang="bg-BG" dirty="0"/>
               <a:t>Визуализиране на разширенията</a:t>
             </a:r>
             <a:endParaRPr lang="en-US" dirty="0"/>
@@ -8382,11 +8379,7 @@
           <a:p>
             <a:r>
               <a:rPr lang="bg-BG" dirty="0"/>
-              <a:t>Представяне на файлове и </a:t>
-            </a:r>
-            <a:r>
-              <a:rPr lang="bg-BG" dirty="0" smtClean="0"/>
-              <a:t>папки</a:t>
+              <a:t>Представяне на файлове и папки</a:t>
             </a:r>
             <a:endParaRPr lang="en-US" dirty="0"/>
           </a:p>
@@ -8451,13 +8444,6 @@
       <p:transition spd="slow" advClick="0" advTm="5000"/>
     </mc:Fallback>
   </mc:AlternateContent>
-  <p:timing>
-    <p:tnLst>
-      <p:par>
-        <p:cTn id="1" dur="indefinite" restart="never" nodeType="tmRoot"/>
-      </p:par>
-    </p:tnLst>
-  </p:timing>
 </p:sld>
 </file>
 
@@ -8535,27 +8521,27 @@
           <a:lstStyle/>
           <a:p>
             <a:r>
-              <a:rPr lang="bg-BG" dirty="0" smtClean="0"/>
+              <a:rPr lang="bg-BG" dirty="0"/>
               <a:t>За разглеждане на </a:t>
             </a:r>
             <a:r>
-              <a:rPr lang="bg-BG" b="1" dirty="0" smtClean="0"/>
+              <a:rPr lang="bg-BG" b="1" dirty="0"/>
               <a:t>файловата система </a:t>
             </a:r>
             <a:r>
-              <a:rPr lang="bg-BG" dirty="0" smtClean="0"/>
+              <a:rPr lang="bg-BG" dirty="0"/>
               <a:t>на </a:t>
             </a:r>
             <a:r>
-              <a:rPr lang="en-US" b="1" dirty="0" smtClean="0"/>
+              <a:rPr lang="en-US" b="1" dirty="0"/>
               <a:t>Windows</a:t>
             </a:r>
             <a:r>
-              <a:rPr lang="bg-BG" dirty="0" smtClean="0"/>
-              <a:t>, най-често се ползва </a:t>
-            </a:r>
-            <a:r>
-              <a:rPr lang="en-US" b="1" dirty="0" smtClean="0">
+              <a:rPr lang="bg-BG" dirty="0"/>
+              <a:t> най-често се ползва </a:t>
+            </a:r>
+            <a:r>
+              <a:rPr lang="en-US" b="1" dirty="0">
                 <a:solidFill>
                   <a:schemeClr val="bg1"/>
                 </a:solidFill>
@@ -8565,7 +8551,7 @@
           </a:p>
           <a:p>
             <a:r>
-              <a:rPr lang="bg-BG" dirty="0" smtClean="0"/>
+              <a:rPr lang="bg-BG" dirty="0"/>
               <a:t>Когато разглеждате файловете в определена папка:</a:t>
             </a:r>
           </a:p>
@@ -8594,7 +8580,7 @@
           <a:lstStyle/>
           <a:p>
             <a:r>
-              <a:rPr lang="bg-BG" dirty="0" smtClean="0"/>
+              <a:rPr lang="bg-BG" dirty="0"/>
               <a:t>Представяне на файлове и папки</a:t>
             </a:r>
             <a:endParaRPr lang="en-US" dirty="0"/>
@@ -8639,7 +8625,7 @@
               <a:buSzPct val="70000"/>
             </a:pPr>
             <a:r>
-              <a:rPr lang="bg-BG" sz="4800" dirty="0" smtClean="0"/>
+              <a:rPr lang="bg-BG" sz="4800" dirty="0"/>
               <a:t>На прощаване</a:t>
             </a:r>
             <a:endParaRPr lang="en-US" sz="4800" dirty="0"/>
@@ -8684,14 +8670,13 @@
               <a:buSzPct val="70000"/>
             </a:pPr>
             <a:r>
-              <a:rPr lang="bg-BG" sz="4800" dirty="0" smtClean="0"/>
+              <a:rPr lang="bg-BG" sz="4800" dirty="0"/>
               <a:t>.</a:t>
             </a:r>
             <a:r>
-              <a:rPr lang="en-US" sz="4800" dirty="0" smtClean="0"/>
+              <a:rPr lang="en-US" sz="4800" dirty="0"/>
               <a:t>txt</a:t>
             </a:r>
-            <a:endParaRPr lang="en-US" sz="4800" dirty="0"/>
           </a:p>
         </p:txBody>
       </p:sp>
@@ -8755,7 +8740,7 @@
           <a:p>
             <a:pPr algn="ctr"/>
             <a:r>
-              <a:rPr lang="bg-BG" sz="2800" b="1" dirty="0" smtClean="0">
+              <a:rPr lang="bg-BG" sz="2800" b="1" dirty="0">
                 <a:solidFill>
                   <a:srgbClr val="FFFFFF"/>
                 </a:solidFill>
@@ -8844,7 +8829,7 @@
           <a:p>
             <a:pPr algn="ctr"/>
             <a:r>
-              <a:rPr lang="bg-BG" sz="2800" b="1" dirty="0" smtClean="0">
+              <a:rPr lang="bg-BG" sz="2800" b="1" dirty="0">
                 <a:solidFill>
                   <a:srgbClr val="FFFFFF"/>
                 </a:solidFill>
@@ -9844,26 +9829,7 @@
                   </a:schemeClr>
                 </a:solidFill>
               </a:rPr>
-              <a:t>Носители на </a:t>
-            </a:r>
-            <a:r>
-              <a:rPr lang="ru-RU" sz="3200" b="1" dirty="0" smtClean="0">
-                <a:solidFill>
-                  <a:schemeClr val="bg1">
-                    <a:lumMod val="60000"/>
-                    <a:lumOff val="40000"/>
-                  </a:schemeClr>
-                </a:solidFill>
-              </a:rPr>
-              <a:t>информация</a:t>
-            </a:r>
-            <a:r>
-              <a:rPr lang="ru-RU" sz="3200" dirty="0" smtClean="0">
-                <a:solidFill>
-                  <a:schemeClr val="bg2"/>
-                </a:solidFill>
-              </a:rPr>
-              <a:t>– </a:t>
+              <a:t>Носители на информация</a:t>
             </a:r>
             <a:r>
               <a:rPr lang="ru-RU" sz="3200" dirty="0">
@@ -9871,7 +9837,7 @@
                   <a:schemeClr val="bg2"/>
                 </a:solidFill>
               </a:rPr>
-              <a:t>устройства, използвани за </a:t>
+              <a:t>– устройства, използвани за </a:t>
             </a:r>
             <a:r>
               <a:rPr lang="ru-RU" sz="3200" b="1" dirty="0">
@@ -9919,17 +9885,9 @@
                   <a:schemeClr val="bg2"/>
                 </a:solidFill>
               </a:rPr>
-              <a:t> на </a:t>
-            </a:r>
-            <a:r>
-              <a:rPr lang="ru-RU" sz="3200" dirty="0" smtClean="0">
-                <a:solidFill>
-                  <a:schemeClr val="bg2"/>
-                </a:solidFill>
-              </a:rPr>
-              <a:t>данни</a:t>
-            </a:r>
-            <a:endParaRPr lang="en-US" sz="3200" dirty="0" smtClean="0">
+              <a:t> на данни</a:t>
+            </a:r>
+            <a:endParaRPr lang="en-US" sz="3200" dirty="0">
               <a:solidFill>
                 <a:schemeClr val="bg2"/>
               </a:solidFill>
@@ -9965,17 +9923,9 @@
                   <a:schemeClr val="bg2"/>
                 </a:solidFill>
               </a:rPr>
-              <a:t>Електронни </a:t>
-            </a:r>
-            <a:r>
-              <a:rPr lang="bg-BG" sz="2800" dirty="0" smtClean="0">
-                <a:solidFill>
-                  <a:schemeClr val="bg2"/>
-                </a:solidFill>
-              </a:rPr>
-              <a:t>носители</a:t>
-            </a:r>
-            <a:endParaRPr lang="en-US" sz="2800" dirty="0" smtClean="0">
+              <a:t>Електронни носители</a:t>
+            </a:r>
+            <a:endParaRPr lang="en-US" sz="2800" dirty="0">
               <a:solidFill>
                 <a:schemeClr val="bg2"/>
               </a:solidFill>
@@ -9983,23 +9933,12 @@
           </a:p>
           <a:p>
             <a:r>
-              <a:rPr lang="ru-RU" sz="3200" b="1" dirty="0" smtClean="0">
+              <a:rPr lang="ru-RU" sz="3200" b="1" dirty="0">
                 <a:solidFill>
                   <a:schemeClr val="bg2"/>
                 </a:solidFill>
               </a:rPr>
               <a:t>͏</a:t>
-            </a:r>
-            <a:r>
-              <a:rPr lang="ru-RU" sz="3200" b="1" dirty="0" smtClean="0">
-                <a:solidFill>
-                  <a:schemeClr val="bg1">
-                    <a:lumMod val="60000"/>
-                    <a:lumOff val="40000"/>
-                  </a:schemeClr>
-                </a:solidFill>
-              </a:rPr>
-              <a:t>Формат </a:t>
             </a:r>
             <a:r>
               <a:rPr lang="ru-RU" sz="3200" b="1" dirty="0">
@@ -10010,7 +9949,7 @@
                   </a:schemeClr>
                 </a:solidFill>
               </a:rPr>
-              <a:t>на файл </a:t>
+              <a:t>Формат на файл </a:t>
             </a:r>
             <a:r>
               <a:rPr lang="ru-RU" sz="3200" dirty="0">
@@ -10106,7 +10045,226 @@
   <p:timing>
     <p:tnLst>
       <p:par>
-        <p:cTn id="1" dur="indefinite" restart="never" nodeType="tmRoot"/>
+        <p:cTn id="1" dur="indefinite" restart="never" nodeType="tmRoot">
+          <p:childTnLst>
+            <p:seq concurrent="1" nextAc="seek">
+              <p:cTn id="2" dur="indefinite" nodeType="mainSeq">
+                <p:childTnLst>
+                  <p:par>
+                    <p:cTn id="3" fill="hold">
+                      <p:stCondLst>
+                        <p:cond delay="indefinite"/>
+                      </p:stCondLst>
+                      <p:childTnLst>
+                        <p:par>
+                          <p:cTn id="4" fill="hold">
+                            <p:stCondLst>
+                              <p:cond delay="0"/>
+                            </p:stCondLst>
+                            <p:childTnLst>
+                              <p:par>
+                                <p:cTn id="5" presetID="1" presetClass="entr" presetSubtype="0" fill="hold" nodeType="clickEffect">
+                                  <p:stCondLst>
+                                    <p:cond delay="0"/>
+                                  </p:stCondLst>
+                                  <p:childTnLst>
+                                    <p:set>
+                                      <p:cBhvr>
+                                        <p:cTn id="6" dur="1" fill="hold">
+                                          <p:stCondLst>
+                                            <p:cond delay="0"/>
+                                          </p:stCondLst>
+                                        </p:cTn>
+                                        <p:tgtEl>
+                                          <p:spTgt spid="15">
+                                            <p:txEl>
+                                              <p:pRg st="1" end="1"/>
+                                            </p:txEl>
+                                          </p:spTgt>
+                                        </p:tgtEl>
+                                        <p:attrNameLst>
+                                          <p:attrName>style.visibility</p:attrName>
+                                        </p:attrNameLst>
+                                      </p:cBhvr>
+                                      <p:to>
+                                        <p:strVal val="visible"/>
+                                      </p:to>
+                                    </p:set>
+                                  </p:childTnLst>
+                                </p:cTn>
+                              </p:par>
+                            </p:childTnLst>
+                          </p:cTn>
+                        </p:par>
+                      </p:childTnLst>
+                    </p:cTn>
+                  </p:par>
+                  <p:par>
+                    <p:cTn id="7" fill="hold">
+                      <p:stCondLst>
+                        <p:cond delay="indefinite"/>
+                      </p:stCondLst>
+                      <p:childTnLst>
+                        <p:par>
+                          <p:cTn id="8" fill="hold">
+                            <p:stCondLst>
+                              <p:cond delay="0"/>
+                            </p:stCondLst>
+                            <p:childTnLst>
+                              <p:par>
+                                <p:cTn id="9" presetID="1" presetClass="entr" presetSubtype="0" fill="hold" nodeType="clickEffect">
+                                  <p:stCondLst>
+                                    <p:cond delay="0"/>
+                                  </p:stCondLst>
+                                  <p:childTnLst>
+                                    <p:set>
+                                      <p:cBhvr>
+                                        <p:cTn id="10" dur="1" fill="hold">
+                                          <p:stCondLst>
+                                            <p:cond delay="0"/>
+                                          </p:stCondLst>
+                                        </p:cTn>
+                                        <p:tgtEl>
+                                          <p:spTgt spid="15">
+                                            <p:txEl>
+                                              <p:pRg st="2" end="2"/>
+                                            </p:txEl>
+                                          </p:spTgt>
+                                        </p:tgtEl>
+                                        <p:attrNameLst>
+                                          <p:attrName>style.visibility</p:attrName>
+                                        </p:attrNameLst>
+                                      </p:cBhvr>
+                                      <p:to>
+                                        <p:strVal val="visible"/>
+                                      </p:to>
+                                    </p:set>
+                                  </p:childTnLst>
+                                </p:cTn>
+                              </p:par>
+                            </p:childTnLst>
+                          </p:cTn>
+                        </p:par>
+                      </p:childTnLst>
+                    </p:cTn>
+                  </p:par>
+                  <p:par>
+                    <p:cTn id="11" fill="hold">
+                      <p:stCondLst>
+                        <p:cond delay="indefinite"/>
+                      </p:stCondLst>
+                      <p:childTnLst>
+                        <p:par>
+                          <p:cTn id="12" fill="hold">
+                            <p:stCondLst>
+                              <p:cond delay="0"/>
+                            </p:stCondLst>
+                            <p:childTnLst>
+                              <p:par>
+                                <p:cTn id="13" presetID="1" presetClass="entr" presetSubtype="0" fill="hold" nodeType="clickEffect">
+                                  <p:stCondLst>
+                                    <p:cond delay="0"/>
+                                  </p:stCondLst>
+                                  <p:childTnLst>
+                                    <p:set>
+                                      <p:cBhvr>
+                                        <p:cTn id="14" dur="1" fill="hold">
+                                          <p:stCondLst>
+                                            <p:cond delay="0"/>
+                                          </p:stCondLst>
+                                        </p:cTn>
+                                        <p:tgtEl>
+                                          <p:spTgt spid="15">
+                                            <p:txEl>
+                                              <p:pRg st="3" end="3"/>
+                                            </p:txEl>
+                                          </p:spTgt>
+                                        </p:tgtEl>
+                                        <p:attrNameLst>
+                                          <p:attrName>style.visibility</p:attrName>
+                                        </p:attrNameLst>
+                                      </p:cBhvr>
+                                      <p:to>
+                                        <p:strVal val="visible"/>
+                                      </p:to>
+                                    </p:set>
+                                  </p:childTnLst>
+                                </p:cTn>
+                              </p:par>
+                            </p:childTnLst>
+                          </p:cTn>
+                        </p:par>
+                      </p:childTnLst>
+                    </p:cTn>
+                  </p:par>
+                  <p:par>
+                    <p:cTn id="15" fill="hold">
+                      <p:stCondLst>
+                        <p:cond delay="indefinite"/>
+                      </p:stCondLst>
+                      <p:childTnLst>
+                        <p:par>
+                          <p:cTn id="16" fill="hold">
+                            <p:stCondLst>
+                              <p:cond delay="0"/>
+                            </p:stCondLst>
+                            <p:childTnLst>
+                              <p:par>
+                                <p:cTn id="17" presetID="1" presetClass="entr" presetSubtype="0" fill="hold" nodeType="clickEffect">
+                                  <p:stCondLst>
+                                    <p:cond delay="0"/>
+                                  </p:stCondLst>
+                                  <p:childTnLst>
+                                    <p:set>
+                                      <p:cBhvr>
+                                        <p:cTn id="18" dur="1" fill="hold">
+                                          <p:stCondLst>
+                                            <p:cond delay="0"/>
+                                          </p:stCondLst>
+                                        </p:cTn>
+                                        <p:tgtEl>
+                                          <p:spTgt spid="15">
+                                            <p:txEl>
+                                              <p:pRg st="4" end="4"/>
+                                            </p:txEl>
+                                          </p:spTgt>
+                                        </p:tgtEl>
+                                        <p:attrNameLst>
+                                          <p:attrName>style.visibility</p:attrName>
+                                        </p:attrNameLst>
+                                      </p:cBhvr>
+                                      <p:to>
+                                        <p:strVal val="visible"/>
+                                      </p:to>
+                                    </p:set>
+                                  </p:childTnLst>
+                                </p:cTn>
+                              </p:par>
+                            </p:childTnLst>
+                          </p:cTn>
+                        </p:par>
+                      </p:childTnLst>
+                    </p:cTn>
+                  </p:par>
+                </p:childTnLst>
+              </p:cTn>
+              <p:prevCondLst>
+                <p:cond evt="onPrev" delay="0">
+                  <p:tgtEl>
+                    <p:sldTgt/>
+                  </p:tgtEl>
+                </p:cond>
+              </p:prevCondLst>
+              <p:nextCondLst>
+                <p:cond evt="onNext" delay="0">
+                  <p:tgtEl>
+                    <p:sldTgt/>
+                  </p:tgtEl>
+                </p:cond>
+              </p:nextCondLst>
+            </p:seq>
+          </p:childTnLst>
+        </p:cTn>
       </p:par>
     </p:tnLst>
   </p:timing>
@@ -10227,7 +10385,7 @@
                 <a:hlinkClick r:id="rId3">
                   <a:extLst>
                     <a:ext uri="{A12FA001-AC4F-418D-AE19-62706E023703}">
-                      <ahyp:hlinkClr xmlns:ahyp="http://schemas.microsoft.com/office/drawing/2018/hyperlinkcolor" xmlns="" val="tx"/>
+                      <ahyp:hlinkClr xmlns:ahyp="http://schemas.microsoft.com/office/drawing/2018/hyperlinkcolor" val="tx"/>
                     </a:ext>
                   </a:extLst>
                 </a:hlinkClick>
@@ -10300,13 +10458,6 @@
       <p:transition spd="slow" advClick="0" advTm="5000"/>
     </mc:Fallback>
   </mc:AlternateContent>
-  <p:timing>
-    <p:tnLst>
-      <p:par>
-        <p:cTn id="1" dur="indefinite" restart="never" nodeType="tmRoot"/>
-      </p:par>
-    </p:tnLst>
-  </p:timing>
 </p:sld>
 </file>
 
@@ -10690,13 +10841,6 @@
       <p:transition spd="slow" advClick="0" advTm="5000"/>
     </mc:Fallback>
   </mc:AlternateContent>
-  <p:timing>
-    <p:tnLst>
-      <p:par>
-        <p:cTn id="1" dur="indefinite" restart="never" nodeType="tmRoot"/>
-      </p:par>
-    </p:tnLst>
-  </p:timing>
 </p:sld>
 </file>
 
@@ -10868,56 +11012,51 @@
           <a:lstStyle/>
           <a:p>
             <a:r>
-              <a:rPr lang="bg-BG" dirty="0" smtClean="0"/>
+              <a:rPr lang="bg-BG" dirty="0"/>
+              <a:t>͏Носители на информация</a:t>
+            </a:r>
+          </a:p>
+          <a:p>
+            <a:r>
+              <a:rPr lang="bg-BG" dirty="0"/>
               <a:t>͏</a:t>
             </a:r>
             <a:r>
-              <a:rPr lang="bg-BG" dirty="0" smtClean="0"/>
-              <a:t>Носители на информация</a:t>
-            </a:r>
-          </a:p>
-          <a:p>
-            <a:r>
-              <a:rPr lang="bg-BG" dirty="0" smtClean="0"/>
-              <a:t>͏</a:t>
-            </a:r>
-            <a:r>
-              <a:rPr lang="bg-BG" b="1" dirty="0" smtClean="0"/>
+              <a:rPr lang="bg-BG" b="1" dirty="0"/>
               <a:t>Формат</a:t>
             </a:r>
             <a:r>
-              <a:rPr lang="bg-BG" dirty="0" smtClean="0"/>
+              <a:rPr lang="bg-BG" dirty="0"/>
               <a:t> на файл</a:t>
             </a:r>
           </a:p>
           <a:p>
             <a:r>
-              <a:rPr lang="bg-BG" dirty="0" smtClean="0"/>
+              <a:rPr lang="bg-BG" dirty="0"/>
               <a:t>Представяне на </a:t>
             </a:r>
             <a:r>
-              <a:rPr lang="bg-BG" b="1" dirty="0" smtClean="0"/>
+              <a:rPr lang="bg-BG" b="1" dirty="0"/>
               <a:t>файлове</a:t>
             </a:r>
             <a:r>
-              <a:rPr lang="bg-BG" dirty="0" smtClean="0"/>
+              <a:rPr lang="bg-BG" dirty="0"/>
               <a:t> и </a:t>
             </a:r>
             <a:r>
-              <a:rPr lang="bg-BG" b="1" dirty="0" smtClean="0"/>
+              <a:rPr lang="bg-BG" b="1" dirty="0"/>
               <a:t>папки</a:t>
             </a:r>
           </a:p>
           <a:p>
             <a:r>
-              <a:rPr lang="bg-BG" dirty="0" smtClean="0"/>
+              <a:rPr lang="bg-BG" dirty="0"/>
               <a:t>Визуализиране на </a:t>
             </a:r>
             <a:r>
-              <a:rPr lang="bg-BG" b="1" dirty="0" smtClean="0"/>
+              <a:rPr lang="bg-BG" b="1" dirty="0"/>
               <a:t>разширенията</a:t>
             </a:r>
-            <a:endParaRPr lang="bg-BG" b="1" dirty="0" smtClean="0"/>
           </a:p>
           <a:p>
             <a:endParaRPr lang="en-US" dirty="0"/>
@@ -11232,7 +11371,7 @@
           <a:lstStyle/>
           <a:p>
             <a:r>
-              <a:rPr lang="bg-BG" dirty="0" smtClean="0"/>
+              <a:rPr lang="bg-BG" dirty="0"/>
               <a:t>Съхраняване на информация</a:t>
             </a:r>
             <a:endParaRPr lang="en-US" dirty="0"/>
@@ -11310,13 +11449,6 @@
       <p:transition spd="slow" advClick="0" advTm="5000"/>
     </mc:Fallback>
   </mc:AlternateContent>
-  <p:timing>
-    <p:tnLst>
-      <p:par>
-        <p:cTn id="1" dur="indefinite" restart="never" nodeType="tmRoot"/>
-      </p:par>
-    </p:tnLst>
-  </p:timing>
 </p:sld>
 </file>
 
@@ -11353,11 +11485,11 @@
           <a:lstStyle/>
           <a:p>
             <a:r>
-              <a:rPr lang="ru-RU" dirty="0" smtClean="0"/>
+              <a:rPr lang="ru-RU" dirty="0"/>
               <a:t>͏</a:t>
             </a:r>
             <a:r>
-              <a:rPr lang="ru-RU" b="1" dirty="0" smtClean="0">
+              <a:rPr lang="ru-RU" b="1" dirty="0">
                 <a:solidFill>
                   <a:schemeClr val="bg1"/>
                 </a:solidFill>
@@ -11365,28 +11497,24 @@
               <a:t>Носители на информация </a:t>
             </a:r>
             <a:r>
-              <a:rPr lang="ru-RU" dirty="0" smtClean="0"/>
+              <a:rPr lang="ru-RU" dirty="0"/>
               <a:t>(</a:t>
             </a:r>
             <a:r>
-              <a:rPr lang="ru-RU" b="1" dirty="0" smtClean="0"/>
+              <a:rPr lang="ru-RU" b="1" dirty="0"/>
               <a:t>НИ</a:t>
             </a:r>
             <a:r>
-              <a:rPr lang="ru-RU" dirty="0" smtClean="0"/>
+              <a:rPr lang="ru-RU" dirty="0"/>
               <a:t>)</a:t>
             </a:r>
             <a:r>
-              <a:rPr lang="ru-RU" b="1" dirty="0" smtClean="0"/>
+              <a:rPr lang="ru-RU" b="1" dirty="0"/>
               <a:t> </a:t>
             </a:r>
             <a:r>
-              <a:rPr lang="ru-RU" dirty="0" smtClean="0"/>
-              <a:t>– устройства, </a:t>
-            </a:r>
-            <a:r>
               <a:rPr lang="ru-RU" dirty="0"/>
-              <a:t>използвани за </a:t>
+              <a:t>– устройства, използвани за </a:t>
             </a:r>
             <a:r>
               <a:rPr lang="ru-RU" b="1" dirty="0"/>
@@ -11410,28 +11538,24 @@
             </a:r>
             <a:r>
               <a:rPr lang="ru-RU" dirty="0"/>
-              <a:t> </a:t>
-            </a:r>
-            <a:r>
-              <a:rPr lang="ru-RU" dirty="0" smtClean="0"/>
-              <a:t>на данни</a:t>
-            </a:r>
-            <a:endParaRPr lang="en-US" dirty="0" smtClean="0"/>
-          </a:p>
-          <a:p>
-            <a:r>
-              <a:rPr lang="bg-BG" dirty="0" smtClean="0"/>
+              <a:t> на данни</a:t>
+            </a:r>
+            <a:endParaRPr lang="en-US" dirty="0"/>
+          </a:p>
+          <a:p>
+            <a:r>
+              <a:rPr lang="bg-BG" dirty="0"/>
               <a:t>Избройте имената на следните </a:t>
             </a:r>
             <a:r>
-              <a:rPr lang="bg-BG" b="1" dirty="0" smtClean="0"/>
+              <a:rPr lang="bg-BG" b="1" dirty="0"/>
               <a:t>НИ</a:t>
             </a:r>
             <a:r>
-              <a:rPr lang="bg-BG" dirty="0" smtClean="0"/>
+              <a:rPr lang="bg-BG" dirty="0"/>
               <a:t>:</a:t>
             </a:r>
-            <a:endParaRPr lang="ru-RU" dirty="0" smtClean="0"/>
+            <a:endParaRPr lang="ru-RU" dirty="0"/>
           </a:p>
         </p:txBody>
       </p:sp>
@@ -11451,7 +11575,7 @@
           <a:lstStyle/>
           <a:p>
             <a:r>
-              <a:rPr lang="bg-BG" dirty="0" smtClean="0"/>
+              <a:rPr lang="bg-BG" dirty="0"/>
               <a:t>Какво са носители на информация?</a:t>
             </a:r>
             <a:endParaRPr lang="en-US" dirty="0"/>
@@ -11840,36 +11964,36 @@
           <a:lstStyle/>
           <a:p>
             <a:r>
-              <a:rPr lang="bg-BG" dirty="0" smtClean="0"/>
+              <a:rPr lang="bg-BG" dirty="0"/>
               <a:t>Според </a:t>
             </a:r>
             <a:r>
-              <a:rPr lang="bg-BG" b="1" dirty="0" smtClean="0"/>
+              <a:rPr lang="bg-BG" b="1" dirty="0"/>
               <a:t>технологията на съхраняване </a:t>
             </a:r>
             <a:r>
-              <a:rPr lang="bg-BG" dirty="0" smtClean="0"/>
+              <a:rPr lang="bg-BG" dirty="0"/>
               <a:t>на информация НИ се делят на:</a:t>
             </a:r>
           </a:p>
           <a:p>
             <a:pPr lvl="1"/>
             <a:r>
-              <a:rPr lang="bg-BG" dirty="0" smtClean="0"/>
+              <a:rPr lang="bg-BG" dirty="0"/>
               <a:t>Магнитни носители</a:t>
             </a:r>
           </a:p>
           <a:p>
             <a:pPr lvl="1"/>
             <a:r>
-              <a:rPr lang="bg-BG" dirty="0" smtClean="0"/>
+              <a:rPr lang="bg-BG" dirty="0"/>
               <a:t>Оптични носители</a:t>
             </a:r>
           </a:p>
           <a:p>
             <a:pPr lvl="1"/>
             <a:r>
-              <a:rPr lang="bg-BG" dirty="0" smtClean="0"/>
+              <a:rPr lang="bg-BG" dirty="0"/>
               <a:t>Електронни носители</a:t>
             </a:r>
             <a:endParaRPr lang="en-US" dirty="0"/>
@@ -11892,7 +12016,7 @@
           <a:lstStyle/>
           <a:p>
             <a:r>
-              <a:rPr lang="bg-BG" dirty="0" smtClean="0"/>
+              <a:rPr lang="bg-BG" dirty="0"/>
               <a:t>Видове носители на информация</a:t>
             </a:r>
             <a:endParaRPr lang="en-US" dirty="0"/>
@@ -12453,147 +12577,147 @@
               <a:t> значително между различните типове </a:t>
             </a:r>
             <a:r>
-              <a:rPr lang="bg-BG" dirty="0" smtClean="0"/>
+              <a:rPr lang="bg-BG" dirty="0"/>
               <a:t>НИ</a:t>
             </a:r>
             <a:r>
-              <a:rPr lang="ru-RU" dirty="0" smtClean="0"/>
+              <a:rPr lang="ru-RU" dirty="0"/>
               <a:t>:</a:t>
             </a:r>
           </a:p>
           <a:p>
             <a:pPr lvl="1"/>
             <a:r>
-              <a:rPr lang="ru-RU" b="1" dirty="0" smtClean="0"/>
+              <a:rPr lang="ru-RU" b="1" dirty="0"/>
               <a:t>Твърд диск</a:t>
             </a:r>
             <a:r>
-              <a:rPr lang="en-US" b="1" dirty="0" smtClean="0"/>
+              <a:rPr lang="en-US" b="1" dirty="0"/>
               <a:t> </a:t>
             </a:r>
             <a:r>
-              <a:rPr lang="en-US" dirty="0" smtClean="0"/>
+              <a:rPr lang="en-US" dirty="0"/>
               <a:t>– </a:t>
             </a:r>
             <a:r>
-              <a:rPr lang="bg-BG" dirty="0" smtClean="0"/>
+              <a:rPr lang="bg-BG" dirty="0"/>
               <a:t>до няколко </a:t>
             </a:r>
             <a:r>
-              <a:rPr lang="bg-BG" b="1" dirty="0" smtClean="0"/>
+              <a:rPr lang="bg-BG" b="1" dirty="0"/>
               <a:t>терабайта</a:t>
             </a:r>
           </a:p>
           <a:p>
             <a:pPr lvl="1"/>
             <a:r>
-              <a:rPr lang="bg-BG" b="1" dirty="0" smtClean="0"/>
+              <a:rPr lang="bg-BG" b="1" dirty="0"/>
               <a:t>Компактдиск</a:t>
             </a:r>
             <a:r>
-              <a:rPr lang="bg-BG" dirty="0" smtClean="0"/>
+              <a:rPr lang="bg-BG" dirty="0"/>
               <a:t> </a:t>
             </a:r>
             <a:r>
-              <a:rPr lang="en-US" dirty="0" smtClean="0"/>
+              <a:rPr lang="en-US" dirty="0"/>
               <a:t>(CD) – </a:t>
             </a:r>
             <a:r>
-              <a:rPr lang="bg-BG" dirty="0" smtClean="0"/>
+              <a:rPr lang="bg-BG" dirty="0"/>
               <a:t>около </a:t>
             </a:r>
             <a:r>
-              <a:rPr lang="bg-BG" b="1" dirty="0" smtClean="0"/>
+              <a:rPr lang="bg-BG" b="1" dirty="0"/>
               <a:t>700</a:t>
             </a:r>
             <a:r>
-              <a:rPr lang="en-US" b="1" dirty="0" smtClean="0"/>
+              <a:rPr lang="en-US" b="1" dirty="0"/>
               <a:t> MB</a:t>
             </a:r>
           </a:p>
           <a:p>
             <a:pPr lvl="1"/>
             <a:r>
-              <a:rPr lang="bg-BG" b="1" dirty="0" smtClean="0"/>
+              <a:rPr lang="bg-BG" b="1" dirty="0"/>
               <a:t>Видеодиск</a:t>
             </a:r>
             <a:r>
-              <a:rPr lang="bg-BG" dirty="0" smtClean="0"/>
+              <a:rPr lang="bg-BG" dirty="0"/>
               <a:t> </a:t>
             </a:r>
             <a:r>
-              <a:rPr lang="en-US" dirty="0" smtClean="0"/>
+              <a:rPr lang="en-US" dirty="0"/>
               <a:t>(DVD) – </a:t>
             </a:r>
             <a:r>
-              <a:rPr lang="bg-BG" dirty="0" smtClean="0"/>
+              <a:rPr lang="bg-BG" dirty="0"/>
               <a:t>около </a:t>
             </a:r>
             <a:r>
-              <a:rPr lang="bg-BG" b="1" dirty="0" smtClean="0"/>
+              <a:rPr lang="bg-BG" b="1" dirty="0"/>
               <a:t>4.7 </a:t>
             </a:r>
             <a:r>
-              <a:rPr lang="en-US" b="1" dirty="0" smtClean="0"/>
+              <a:rPr lang="en-US" b="1" dirty="0"/>
               <a:t>GB</a:t>
             </a:r>
           </a:p>
           <a:p>
             <a:pPr lvl="1"/>
             <a:r>
-              <a:rPr lang="en-US" b="1" dirty="0" smtClean="0"/>
+              <a:rPr lang="en-US" b="1" dirty="0"/>
               <a:t>Blu-ray</a:t>
             </a:r>
             <a:r>
-              <a:rPr lang="en-US" dirty="0" smtClean="0"/>
+              <a:rPr lang="en-US" dirty="0"/>
               <a:t> </a:t>
             </a:r>
             <a:r>
-              <a:rPr lang="bg-BG" b="1" dirty="0" smtClean="0"/>
+              <a:rPr lang="bg-BG" b="1" dirty="0"/>
               <a:t>диск</a:t>
             </a:r>
             <a:r>
-              <a:rPr lang="bg-BG" dirty="0" smtClean="0"/>
+              <a:rPr lang="bg-BG" dirty="0"/>
               <a:t> (</a:t>
             </a:r>
             <a:r>
-              <a:rPr lang="en-US" dirty="0" smtClean="0"/>
+              <a:rPr lang="en-US" dirty="0"/>
               <a:t>BD</a:t>
             </a:r>
             <a:r>
-              <a:rPr lang="bg-BG" dirty="0" smtClean="0"/>
+              <a:rPr lang="bg-BG" dirty="0"/>
               <a:t>)</a:t>
             </a:r>
             <a:r>
-              <a:rPr lang="en-US" dirty="0" smtClean="0"/>
+              <a:rPr lang="en-US" dirty="0"/>
               <a:t> – </a:t>
             </a:r>
             <a:r>
-              <a:rPr lang="en-US" b="1" dirty="0" smtClean="0"/>
+              <a:rPr lang="en-US" b="1" dirty="0"/>
               <a:t>25 GB</a:t>
             </a:r>
             <a:r>
-              <a:rPr lang="en-US" dirty="0" smtClean="0"/>
+              <a:rPr lang="en-US" dirty="0"/>
               <a:t> </a:t>
             </a:r>
             <a:r>
-              <a:rPr lang="bg-BG" dirty="0" smtClean="0"/>
+              <a:rPr lang="bg-BG" dirty="0"/>
               <a:t>до </a:t>
             </a:r>
             <a:r>
-              <a:rPr lang="bg-BG" b="1" dirty="0" smtClean="0"/>
+              <a:rPr lang="bg-BG" b="1" dirty="0"/>
               <a:t>50 </a:t>
             </a:r>
             <a:r>
-              <a:rPr lang="en-US" b="1" dirty="0" smtClean="0"/>
+              <a:rPr lang="en-US" b="1" dirty="0"/>
               <a:t>GB</a:t>
             </a:r>
-            <a:endParaRPr lang="bg-BG" b="1" dirty="0" smtClean="0"/>
+            <a:endParaRPr lang="bg-BG" b="1" dirty="0"/>
           </a:p>
           <a:p>
             <a:pPr lvl="1"/>
             <a:r>
-              <a:rPr lang="bg-BG" b="1" dirty="0" smtClean="0"/>
+              <a:rPr lang="bg-BG" b="1" dirty="0"/>
               <a:t>...</a:t>
             </a:r>
             <a:endParaRPr lang="en-US" b="1" dirty="0"/>
@@ -12616,7 +12740,7 @@
           <a:lstStyle/>
           <a:p>
             <a:r>
-              <a:rPr lang="bg-BG" dirty="0" smtClean="0"/>
+              <a:rPr lang="bg-BG" dirty="0"/>
               <a:t>Обем на отделните НИ</a:t>
             </a:r>
             <a:endParaRPr lang="en-US" dirty="0"/>
@@ -12952,7 +13076,7 @@
           <a:lstStyle/>
           <a:p>
             <a:r>
-              <a:rPr lang="bg-BG" dirty="0" smtClean="0"/>
+              <a:rPr lang="bg-BG" dirty="0"/>
               <a:t>Видове формати</a:t>
             </a:r>
             <a:endParaRPr lang="en-US" dirty="0"/>
@@ -12975,7 +13099,7 @@
           <a:lstStyle/>
           <a:p>
             <a:r>
-              <a:rPr lang="bg-BG" dirty="0" smtClean="0"/>
+              <a:rPr lang="bg-BG" dirty="0"/>
               <a:t>Формат на файл</a:t>
             </a:r>
             <a:endParaRPr lang="en-US" dirty="0"/>
@@ -13030,13 +13154,6 @@
       <p:transition spd="slow" advClick="0" advTm="5000"/>
     </mc:Fallback>
   </mc:AlternateContent>
-  <p:timing>
-    <p:tnLst>
-      <p:par>
-        <p:cTn id="1" dur="indefinite" restart="never" nodeType="tmRoot"/>
-      </p:par>
-    </p:tnLst>
-  </p:timing>
 </p:sld>
 </file>
 
@@ -13078,11 +13195,11 @@
           <a:lstStyle/>
           <a:p>
             <a:r>
-              <a:rPr lang="ru-RU" dirty="0" smtClean="0"/>
+              <a:rPr lang="ru-RU" dirty="0"/>
               <a:t>͏</a:t>
             </a:r>
             <a:r>
-              <a:rPr lang="ru-RU" b="1" dirty="0" smtClean="0">
+              <a:rPr lang="ru-RU" b="1" dirty="0">
                 <a:solidFill>
                   <a:schemeClr val="bg1"/>
                 </a:solidFill>
@@ -13090,12 +13207,8 @@
               <a:t>Формат на файл </a:t>
             </a:r>
             <a:r>
-              <a:rPr lang="ru-RU" dirty="0" smtClean="0"/>
-              <a:t>– </a:t>
-            </a:r>
-            <a:r>
               <a:rPr lang="ru-RU" dirty="0"/>
-              <a:t>стандартизиран начин за </a:t>
+              <a:t>– стандартизиран начин за </a:t>
             </a:r>
             <a:r>
               <a:rPr lang="ru-RU" b="1" dirty="0"/>
@@ -13114,19 +13227,15 @@
               <a:t> на данни във </a:t>
             </a:r>
             <a:r>
-              <a:rPr lang="ru-RU" b="1" dirty="0" smtClean="0"/>
+              <a:rPr lang="ru-RU" b="1" dirty="0"/>
               <a:t>файл</a:t>
             </a:r>
           </a:p>
           <a:p>
             <a:pPr lvl="1"/>
             <a:r>
-              <a:rPr lang="ru-RU" dirty="0" smtClean="0"/>
-              <a:t>Определя </a:t>
-            </a:r>
-            <a:r>
               <a:rPr lang="ru-RU" dirty="0"/>
-              <a:t>как информацията е </a:t>
+              <a:t>Определя как информацията е </a:t>
             </a:r>
             <a:r>
               <a:rPr lang="ru-RU" b="1" dirty="0"/>
@@ -13150,20 +13259,16 @@
             </a:r>
             <a:r>
               <a:rPr lang="ru-RU" dirty="0"/>
-              <a:t> </a:t>
-            </a:r>
-            <a:r>
-              <a:rPr lang="ru-RU" dirty="0" smtClean="0"/>
-              <a:t>от софтуер</a:t>
-            </a:r>
-          </a:p>
-          <a:p>
-            <a:r>
-              <a:rPr lang="ru-RU" dirty="0" smtClean="0"/>
+              <a:t> от софтуер</a:t>
+            </a:r>
+          </a:p>
+          <a:p>
+            <a:r>
+              <a:rPr lang="ru-RU" dirty="0"/>
               <a:t>͏</a:t>
             </a:r>
             <a:r>
-              <a:rPr lang="ru-RU" b="1" dirty="0" smtClean="0">
+              <a:rPr lang="ru-RU" b="1" dirty="0">
                 <a:solidFill>
                   <a:schemeClr val="bg1"/>
                 </a:solidFill>
@@ -13171,7 +13276,7 @@
               <a:t>Разширение</a:t>
             </a:r>
             <a:r>
-              <a:rPr lang="ru-RU" dirty="0" smtClean="0"/>
+              <a:rPr lang="ru-RU" dirty="0"/>
               <a:t> – кратко </a:t>
             </a:r>
             <a:r>
@@ -13192,11 +13297,7 @@
             </a:r>
             <a:r>
               <a:rPr lang="bg-BG" dirty="0"/>
-              <a:t> </a:t>
-            </a:r>
-            <a:r>
-              <a:rPr lang="bg-BG" dirty="0" smtClean="0"/>
-              <a:t>му</a:t>
+              <a:t> му</a:t>
             </a:r>
             <a:endParaRPr lang="en-US" dirty="0"/>
           </a:p>
@@ -13218,7 +13319,7 @@
           <a:lstStyle/>
           <a:p>
             <a:r>
-              <a:rPr lang="bg-BG" dirty="0" smtClean="0"/>
+              <a:rPr lang="bg-BG" dirty="0"/>
               <a:t>Формат на файл</a:t>
             </a:r>
             <a:endParaRPr lang="en-US" dirty="0"/>
@@ -13272,22 +13373,17 @@
               <a:buSzPct val="70000"/>
             </a:pPr>
             <a:r>
-              <a:rPr lang="bg-BG" sz="4000" dirty="0" smtClean="0"/>
+              <a:rPr lang="bg-BG" sz="4000" dirty="0"/>
               <a:t>Куче с очила.</a:t>
             </a:r>
             <a:r>
-              <a:rPr lang="en-US" sz="4000" b="1" dirty="0" smtClean="0">
+              <a:rPr lang="en-US" sz="4000" b="1" dirty="0">
                 <a:solidFill>
                   <a:schemeClr val="bg1"/>
                 </a:solidFill>
               </a:rPr>
               <a:t>jpg</a:t>
             </a:r>
-            <a:endParaRPr lang="en-US" sz="4000" b="1" dirty="0">
-              <a:solidFill>
-                <a:schemeClr val="bg1"/>
-              </a:solidFill>
-            </a:endParaRPr>
           </a:p>
         </p:txBody>
       </p:sp>
@@ -13545,7 +13641,7 @@
           <a:lstStyle/>
           <a:p>
             <a:r>
-              <a:rPr lang="bg-BG" dirty="0" smtClean="0"/>
+              <a:rPr lang="bg-BG" dirty="0"/>
               <a:t>Видове файлови формати</a:t>
             </a:r>
             <a:endParaRPr lang="en-US" dirty="0"/>
@@ -13561,7 +13657,7 @@
           <p:nvPr>
             <p:extLst>
               <p:ext uri="{D42A27DB-BD31-4B8C-83A1-F6EECF244321}">
-                <p14:modId xmlns:p14="http://schemas.microsoft.com/office/powerpoint/2010/main" val="989176969"/>
+                <p14:modId xmlns:p14="http://schemas.microsoft.com/office/powerpoint/2010/main" val="695796513"/>
               </p:ext>
             </p:extLst>
           </p:nvPr>
@@ -13600,7 +13696,7 @@
                     <a:p>
                       <a:pPr algn="ctr"/>
                       <a:r>
-                        <a:rPr lang="bg-BG" dirty="0" smtClean="0">
+                        <a:rPr lang="bg-BG" dirty="0">
                           <a:solidFill>
                             <a:schemeClr val="bg2"/>
                           </a:solidFill>
@@ -13608,7 +13704,7 @@
                         <a:t>Файлов</a:t>
                       </a:r>
                       <a:r>
-                        <a:rPr lang="bg-BG" baseline="0" dirty="0" smtClean="0">
+                        <a:rPr lang="bg-BG" baseline="0" dirty="0">
                           <a:solidFill>
                             <a:schemeClr val="bg2"/>
                           </a:solidFill>
@@ -13679,12 +13775,12 @@
                     <a:p>
                       <a:pPr algn="ctr"/>
                       <a:r>
-                        <a:rPr lang="bg-BG" dirty="0" smtClean="0">
+                        <a:rPr lang="bg-BG" dirty="0">
                           <a:solidFill>
                             <a:schemeClr val="bg2"/>
                           </a:solidFill>
                         </a:rPr>
-                        <a:t>Разширепние</a:t>
+                        <a:t>Разширение</a:t>
                       </a:r>
                       <a:endParaRPr lang="en-US" dirty="0">
                         <a:solidFill>
@@ -13756,11 +13852,11 @@
                     <a:lstStyle/>
                     <a:p>
                       <a:r>
-                        <a:rPr lang="bg-BG" dirty="0" smtClean="0"/>
+                        <a:rPr lang="bg-BG" dirty="0"/>
                         <a:t>Текстов</a:t>
                       </a:r>
                       <a:r>
-                        <a:rPr lang="bg-BG" baseline="0" dirty="0" smtClean="0"/>
+                        <a:rPr lang="bg-BG" baseline="0" dirty="0"/>
                         <a:t> документ</a:t>
                       </a:r>
                       <a:endParaRPr lang="en-US" dirty="0"/>
@@ -13819,14 +13915,13 @@
                     <a:lstStyle/>
                     <a:p>
                       <a:r>
-                        <a:rPr lang="bg-BG" dirty="0" smtClean="0"/>
+                        <a:rPr lang="bg-BG" dirty="0"/>
                         <a:t>.</a:t>
                       </a:r>
                       <a:r>
-                        <a:rPr lang="en-US" dirty="0" smtClean="0"/>
+                        <a:rPr lang="en-US" dirty="0"/>
                         <a:t>txt, .docx, .rtf</a:t>
                       </a:r>
-                      <a:endParaRPr lang="en-US" dirty="0"/>
                     </a:p>
                   </a:txBody>
                   <a:tcPr>
@@ -13889,11 +13984,11 @@
                     <a:lstStyle/>
                     <a:p>
                       <a:r>
-                        <a:rPr lang="bg-BG" dirty="0" smtClean="0"/>
+                        <a:rPr lang="bg-BG" dirty="0"/>
                         <a:t>Електронна</a:t>
                       </a:r>
                       <a:r>
-                        <a:rPr lang="bg-BG" baseline="0" dirty="0" smtClean="0"/>
+                        <a:rPr lang="bg-BG" baseline="0" dirty="0"/>
                         <a:t> таблица</a:t>
                       </a:r>
                       <a:endParaRPr lang="en-US" dirty="0"/>
@@ -13952,10 +14047,9 @@
                     <a:lstStyle/>
                     <a:p>
                       <a:r>
-                        <a:rPr lang="en-US" dirty="0" smtClean="0"/>
+                        <a:rPr lang="en-US" dirty="0"/>
                         <a:t>.xlsx, .xls</a:t>
                       </a:r>
-                      <a:endParaRPr lang="en-US" dirty="0"/>
                     </a:p>
                   </a:txBody>
                   <a:tcPr>
@@ -14018,11 +14112,11 @@
                     <a:lstStyle/>
                     <a:p>
                       <a:r>
-                        <a:rPr lang="bg-BG" dirty="0" smtClean="0"/>
+                        <a:rPr lang="bg-BG" dirty="0"/>
                         <a:t>Графичен</a:t>
                       </a:r>
                       <a:r>
-                        <a:rPr lang="bg-BG" baseline="0" dirty="0" smtClean="0"/>
+                        <a:rPr lang="bg-BG" baseline="0" dirty="0"/>
                         <a:t> формат</a:t>
                       </a:r>
                       <a:endParaRPr lang="en-US" dirty="0"/>
@@ -14081,15 +14175,15 @@
                     <a:lstStyle/>
                     <a:p>
                       <a:r>
-                        <a:rPr lang="bg-BG" dirty="0" smtClean="0"/>
+                        <a:rPr lang="bg-BG" dirty="0"/>
                         <a:t>.</a:t>
                       </a:r>
                       <a:r>
-                        <a:rPr lang="en-US" dirty="0" smtClean="0"/>
+                        <a:rPr lang="en-US" dirty="0"/>
                         <a:t>jpg,</a:t>
                       </a:r>
                       <a:r>
-                        <a:rPr lang="en-US" baseline="0" dirty="0" smtClean="0"/>
+                        <a:rPr lang="en-US" baseline="0" dirty="0"/>
                         <a:t> .bmp, .gif, .png</a:t>
                       </a:r>
                       <a:endParaRPr lang="en-US" dirty="0"/>
@@ -14155,7 +14249,7 @@
                     <a:lstStyle/>
                     <a:p>
                       <a:r>
-                        <a:rPr lang="bg-BG" dirty="0" smtClean="0"/>
+                        <a:rPr lang="bg-BG" dirty="0"/>
                         <a:t>Презентация</a:t>
                       </a:r>
                     </a:p>
@@ -14213,11 +14307,11 @@
                     <a:lstStyle/>
                     <a:p>
                       <a:r>
-                        <a:rPr lang="en-US" dirty="0" smtClean="0"/>
+                        <a:rPr lang="en-US" dirty="0"/>
                         <a:t>.pptx,</a:t>
                       </a:r>
                       <a:r>
-                        <a:rPr lang="en-US" baseline="0" dirty="0" smtClean="0"/>
+                        <a:rPr lang="en-US" baseline="0" dirty="0"/>
                         <a:t> .ppts</a:t>
                       </a:r>
                       <a:endParaRPr lang="en-US" dirty="0"/>
@@ -14283,7 +14377,7 @@
                     <a:lstStyle/>
                     <a:p>
                       <a:r>
-                        <a:rPr lang="bg-BG" dirty="0" smtClean="0"/>
+                        <a:rPr lang="bg-BG" dirty="0"/>
                         <a:t>Видео</a:t>
                       </a:r>
                       <a:endParaRPr lang="en-US" dirty="0"/>
@@ -14342,11 +14436,11 @@
                     <a:lstStyle/>
                     <a:p>
                       <a:r>
-                        <a:rPr lang="en-US" dirty="0" smtClean="0"/>
+                        <a:rPr lang="en-US" dirty="0"/>
                         <a:t>.mp4,</a:t>
                       </a:r>
                       <a:r>
-                        <a:rPr lang="en-US" baseline="0" dirty="0" smtClean="0"/>
+                        <a:rPr lang="en-US" baseline="0" dirty="0"/>
                         <a:t> .avi, .wmv, .mpeg</a:t>
                       </a:r>
                       <a:endParaRPr lang="en-US" dirty="0"/>
@@ -14412,7 +14506,7 @@
                     <a:lstStyle/>
                     <a:p>
                       <a:r>
-                        <a:rPr lang="bg-BG" dirty="0" smtClean="0"/>
+                        <a:rPr lang="bg-BG" dirty="0"/>
                         <a:t>Звук</a:t>
                       </a:r>
                       <a:endParaRPr lang="en-US" dirty="0"/>
@@ -14471,11 +14565,11 @@
                     <a:lstStyle/>
                     <a:p>
                       <a:r>
-                        <a:rPr lang="en-US" dirty="0" smtClean="0"/>
+                        <a:rPr lang="en-US" dirty="0"/>
                         <a:t>.mp3,</a:t>
                       </a:r>
                       <a:r>
-                        <a:rPr lang="en-US" baseline="0" dirty="0" smtClean="0"/>
+                        <a:rPr lang="en-US" baseline="0" dirty="0"/>
                         <a:t> .wav, .wma</a:t>
                       </a:r>
                       <a:endParaRPr lang="en-US" dirty="0"/>
@@ -14541,7 +14635,7 @@
                     <a:lstStyle/>
                     <a:p>
                       <a:r>
-                        <a:rPr lang="bg-BG" dirty="0" smtClean="0"/>
+                        <a:rPr lang="bg-BG" dirty="0"/>
                         <a:t>Архив</a:t>
                       </a:r>
                       <a:endParaRPr lang="en-US" dirty="0"/>
@@ -14600,11 +14694,11 @@
                     <a:lstStyle/>
                     <a:p>
                       <a:r>
-                        <a:rPr lang="en-US" dirty="0" smtClean="0"/>
+                        <a:rPr lang="en-US" dirty="0"/>
                         <a:t>.zip,</a:t>
                       </a:r>
                       <a:r>
-                        <a:rPr lang="en-US" baseline="0" dirty="0" smtClean="0"/>
+                        <a:rPr lang="en-US" baseline="0" dirty="0"/>
                         <a:t> .rar</a:t>
                       </a:r>
                       <a:endParaRPr lang="en-US" dirty="0"/>
@@ -14685,13 +14779,6 @@
       <p:transition spd="slow" advClick="0" advTm="5000"/>
     </mc:Fallback>
   </mc:AlternateContent>
-  <p:timing>
-    <p:tnLst>
-      <p:par>
-        <p:cTn id="1" dur="indefinite" restart="never" nodeType="tmRoot"/>
-      </p:par>
-    </p:tnLst>
-  </p:timing>
 </p:sld>
 </file>
 
